--- a/figures/overview/overview.pptx
+++ b/figures/overview/overview.pptx
@@ -197,7 +197,7 @@
           <a:p>
             <a:fld id="{F72DF778-FFF7-FE49-B5CB-1F3248E829EE}" type="datetimeFigureOut">
               <a:rPr lang="en-DE" smtClean="0"/>
-              <a:t>05.06.24</a:t>
+              <a:t>24.06.24</a:t>
             </a:fld>
             <a:endParaRPr lang="en-DE"/>
           </a:p>
@@ -685,7 +685,7 @@
           <a:p>
             <a:fld id="{859E5242-0199-2345-8FDD-CAC2E561CA3C}" type="datetimeFigureOut">
               <a:rPr lang="en-DE" smtClean="0"/>
-              <a:t>05.06.24</a:t>
+              <a:t>24.06.24</a:t>
             </a:fld>
             <a:endParaRPr lang="en-DE"/>
           </a:p>
@@ -855,7 +855,7 @@
           <a:p>
             <a:fld id="{859E5242-0199-2345-8FDD-CAC2E561CA3C}" type="datetimeFigureOut">
               <a:rPr lang="en-DE" smtClean="0"/>
-              <a:t>05.06.24</a:t>
+              <a:t>24.06.24</a:t>
             </a:fld>
             <a:endParaRPr lang="en-DE"/>
           </a:p>
@@ -1035,7 +1035,7 @@
           <a:p>
             <a:fld id="{859E5242-0199-2345-8FDD-CAC2E561CA3C}" type="datetimeFigureOut">
               <a:rPr lang="en-DE" smtClean="0"/>
-              <a:t>05.06.24</a:t>
+              <a:t>24.06.24</a:t>
             </a:fld>
             <a:endParaRPr lang="en-DE"/>
           </a:p>
@@ -1205,7 +1205,7 @@
           <a:p>
             <a:fld id="{859E5242-0199-2345-8FDD-CAC2E561CA3C}" type="datetimeFigureOut">
               <a:rPr lang="en-DE" smtClean="0"/>
-              <a:t>05.06.24</a:t>
+              <a:t>24.06.24</a:t>
             </a:fld>
             <a:endParaRPr lang="en-DE"/>
           </a:p>
@@ -1451,7 +1451,7 @@
           <a:p>
             <a:fld id="{859E5242-0199-2345-8FDD-CAC2E561CA3C}" type="datetimeFigureOut">
               <a:rPr lang="en-DE" smtClean="0"/>
-              <a:t>05.06.24</a:t>
+              <a:t>24.06.24</a:t>
             </a:fld>
             <a:endParaRPr lang="en-DE"/>
           </a:p>
@@ -1683,7 +1683,7 @@
           <a:p>
             <a:fld id="{859E5242-0199-2345-8FDD-CAC2E561CA3C}" type="datetimeFigureOut">
               <a:rPr lang="en-DE" smtClean="0"/>
-              <a:t>05.06.24</a:t>
+              <a:t>24.06.24</a:t>
             </a:fld>
             <a:endParaRPr lang="en-DE"/>
           </a:p>
@@ -2050,7 +2050,7 @@
           <a:p>
             <a:fld id="{859E5242-0199-2345-8FDD-CAC2E561CA3C}" type="datetimeFigureOut">
               <a:rPr lang="en-DE" smtClean="0"/>
-              <a:t>05.06.24</a:t>
+              <a:t>24.06.24</a:t>
             </a:fld>
             <a:endParaRPr lang="en-DE"/>
           </a:p>
@@ -2168,7 +2168,7 @@
           <a:p>
             <a:fld id="{859E5242-0199-2345-8FDD-CAC2E561CA3C}" type="datetimeFigureOut">
               <a:rPr lang="en-DE" smtClean="0"/>
-              <a:t>05.06.24</a:t>
+              <a:t>24.06.24</a:t>
             </a:fld>
             <a:endParaRPr lang="en-DE"/>
           </a:p>
@@ -2263,7 +2263,7 @@
           <a:p>
             <a:fld id="{859E5242-0199-2345-8FDD-CAC2E561CA3C}" type="datetimeFigureOut">
               <a:rPr lang="en-DE" smtClean="0"/>
-              <a:t>05.06.24</a:t>
+              <a:t>24.06.24</a:t>
             </a:fld>
             <a:endParaRPr lang="en-DE"/>
           </a:p>
@@ -2540,7 +2540,7 @@
           <a:p>
             <a:fld id="{859E5242-0199-2345-8FDD-CAC2E561CA3C}" type="datetimeFigureOut">
               <a:rPr lang="en-DE" smtClean="0"/>
-              <a:t>05.06.24</a:t>
+              <a:t>24.06.24</a:t>
             </a:fld>
             <a:endParaRPr lang="en-DE"/>
           </a:p>
@@ -2797,7 +2797,7 @@
           <a:p>
             <a:fld id="{859E5242-0199-2345-8FDD-CAC2E561CA3C}" type="datetimeFigureOut">
               <a:rPr lang="en-DE" smtClean="0"/>
-              <a:t>05.06.24</a:t>
+              <a:t>24.06.24</a:t>
             </a:fld>
             <a:endParaRPr lang="en-DE"/>
           </a:p>
@@ -3010,7 +3010,7 @@
           <a:p>
             <a:fld id="{859E5242-0199-2345-8FDD-CAC2E561CA3C}" type="datetimeFigureOut">
               <a:rPr lang="en-DE" smtClean="0"/>
-              <a:t>05.06.24</a:t>
+              <a:t>24.06.24</a:t>
             </a:fld>
             <a:endParaRPr lang="en-DE"/>
           </a:p>
@@ -4649,114 +4649,35 @@
             </a:p>
           </p:txBody>
         </p:sp>
-        <p:grpSp>
-          <p:nvGrpSpPr>
-            <p:cNvPr id="63" name="Group 62">
+        <p:pic>
+          <p:nvPicPr>
+            <p:cNvPr id="62" name="Picture 61" descr="A black background with a black square&#10;&#10;Description automatically generated with medium confidence">
               <a:extLst>
                 <a:ext uri="{FF2B5EF4-FFF2-40B4-BE49-F238E27FC236}">
-                  <a16:creationId xmlns:a16="http://schemas.microsoft.com/office/drawing/2014/main" id="{9495DB72-303F-A312-5175-7F24C62CDB21}"/>
+                  <a16:creationId xmlns:a16="http://schemas.microsoft.com/office/drawing/2014/main" id="{3EAA4C62-F2EC-57C9-E07B-EE7E85125E39}"/>
                 </a:ext>
               </a:extLst>
             </p:cNvPr>
-            <p:cNvGrpSpPr/>
+            <p:cNvPicPr>
+              <a:picLocks noChangeAspect="1"/>
+            </p:cNvPicPr>
             <p:nvPr/>
-          </p:nvGrpSpPr>
-          <p:grpSpPr>
+          </p:nvPicPr>
+          <p:blipFill rotWithShape="1">
+            <a:blip r:embed="rId8"/>
+            <a:srcRect t="36404" b="29768"/>
+            <a:stretch/>
+          </p:blipFill>
+          <p:spPr>
             <a:xfrm>
-              <a:off x="5124514" y="2032804"/>
-              <a:ext cx="1284173" cy="640080"/>
-              <a:chOff x="4592986" y="1951612"/>
-              <a:chExt cx="1284173" cy="640080"/>
+              <a:off x="5124514" y="2216680"/>
+              <a:ext cx="1259267" cy="294466"/>
             </a:xfrm>
-          </p:grpSpPr>
-          <p:pic>
-            <p:nvPicPr>
-              <p:cNvPr id="60" name="Picture 59" descr="A black background with a black square&#10;&#10;Description automatically generated with medium confidence">
-                <a:extLst>
-                  <a:ext uri="{FF2B5EF4-FFF2-40B4-BE49-F238E27FC236}">
-                    <a16:creationId xmlns:a16="http://schemas.microsoft.com/office/drawing/2014/main" id="{9E924CF4-B18D-B909-8A67-6F1F73F39B5E}"/>
-                  </a:ext>
-                </a:extLst>
-              </p:cNvPr>
-              <p:cNvPicPr>
-                <a:picLocks noChangeAspect="1"/>
-              </p:cNvPicPr>
-              <p:nvPr/>
-            </p:nvPicPr>
-            <p:blipFill rotWithShape="1">
-              <a:blip r:embed="rId8"/>
-              <a:srcRect b="66680"/>
-              <a:stretch/>
-            </p:blipFill>
-            <p:spPr>
-              <a:xfrm>
-                <a:off x="4617892" y="1951612"/>
-                <a:ext cx="1259267" cy="290040"/>
-              </a:xfrm>
-              <a:prstGeom prst="rect">
-                <a:avLst/>
-              </a:prstGeom>
-            </p:spPr>
-          </p:pic>
-          <p:pic>
-            <p:nvPicPr>
-              <p:cNvPr id="61" name="Picture 60" descr="A black background with a black square&#10;&#10;Description automatically generated with medium confidence">
-                <a:extLst>
-                  <a:ext uri="{FF2B5EF4-FFF2-40B4-BE49-F238E27FC236}">
-                    <a16:creationId xmlns:a16="http://schemas.microsoft.com/office/drawing/2014/main" id="{D899E212-5804-42A7-4B84-780560206B04}"/>
-                  </a:ext>
-                </a:extLst>
-              </p:cNvPr>
-              <p:cNvPicPr>
-                <a:picLocks noChangeAspect="1"/>
-              </p:cNvPicPr>
-              <p:nvPr/>
-            </p:nvPicPr>
-            <p:blipFill rotWithShape="1">
-              <a:blip r:embed="rId8"/>
-              <a:srcRect t="59993"/>
-              <a:stretch/>
-            </p:blipFill>
-            <p:spPr>
-              <a:xfrm>
-                <a:off x="4600056" y="2243435"/>
-                <a:ext cx="1259267" cy="348257"/>
-              </a:xfrm>
-              <a:prstGeom prst="rect">
-                <a:avLst/>
-              </a:prstGeom>
-            </p:spPr>
-          </p:pic>
-          <p:pic>
-            <p:nvPicPr>
-              <p:cNvPr id="62" name="Picture 61" descr="A black background with a black square&#10;&#10;Description automatically generated with medium confidence">
-                <a:extLst>
-                  <a:ext uri="{FF2B5EF4-FFF2-40B4-BE49-F238E27FC236}">
-                    <a16:creationId xmlns:a16="http://schemas.microsoft.com/office/drawing/2014/main" id="{3EAA4C62-F2EC-57C9-E07B-EE7E85125E39}"/>
-                  </a:ext>
-                </a:extLst>
-              </p:cNvPr>
-              <p:cNvPicPr>
-                <a:picLocks noChangeAspect="1"/>
-              </p:cNvPicPr>
-              <p:nvPr/>
-            </p:nvPicPr>
-            <p:blipFill rotWithShape="1">
-              <a:blip r:embed="rId8"/>
-              <a:srcRect t="36404" b="29768"/>
-              <a:stretch/>
-            </p:blipFill>
-            <p:spPr>
-              <a:xfrm>
-                <a:off x="4592986" y="2135488"/>
-                <a:ext cx="1259267" cy="294466"/>
-              </a:xfrm>
-              <a:prstGeom prst="rect">
-                <a:avLst/>
-              </a:prstGeom>
-            </p:spPr>
-          </p:pic>
-        </p:grpSp>
+            <a:prstGeom prst="rect">
+              <a:avLst/>
+            </a:prstGeom>
+          </p:spPr>
+        </p:pic>
       </p:grpSp>
       <p:grpSp>
         <p:nvGrpSpPr>
@@ -5235,7 +5156,7 @@
                   <a:ea typeface="JetBrainsMono NF" panose="02000009000000000000" pitchFamily="49" charset="0"/>
                   <a:cs typeface="JetBrainsMono NF" panose="02000009000000000000" pitchFamily="49" charset="0"/>
                 </a:rPr>
-                <a:t>845 items</a:t>
+                <a:t>739 items</a:t>
               </a:r>
               <a:endParaRPr lang="en-DE" sz="1400" i="1" dirty="0">
                 <a:latin typeface="Crimson Pro ExtraLight" pitchFamily="2" charset="77"/>
@@ -6597,6 +6518,66 @@
           </p:txBody>
         </p:sp>
       </p:grpSp>
+      <p:pic>
+        <p:nvPicPr>
+          <p:cNvPr id="21" name="Picture 20" descr="A black background with a black square&#10;&#10;Description automatically generated with medium confidence">
+            <a:extLst>
+              <a:ext uri="{FF2B5EF4-FFF2-40B4-BE49-F238E27FC236}">
+                <a16:creationId xmlns:a16="http://schemas.microsoft.com/office/drawing/2014/main" id="{7B96C8F7-E58F-EB28-C1F8-A4EBD934710C}"/>
+              </a:ext>
+            </a:extLst>
+          </p:cNvPr>
+          <p:cNvPicPr>
+            <a:picLocks noChangeAspect="1"/>
+          </p:cNvPicPr>
+          <p:nvPr/>
+        </p:nvPicPr>
+        <p:blipFill>
+          <a:blip r:embed="rId23"/>
+          <a:stretch>
+            <a:fillRect/>
+          </a:stretch>
+        </p:blipFill>
+        <p:spPr>
+          <a:xfrm>
+            <a:off x="5142130" y="1912136"/>
+            <a:ext cx="1253354" cy="210524"/>
+          </a:xfrm>
+          <a:prstGeom prst="rect">
+            <a:avLst/>
+          </a:prstGeom>
+        </p:spPr>
+      </p:pic>
+      <p:pic>
+        <p:nvPicPr>
+          <p:cNvPr id="48" name="Picture 47" descr="A black background with a black square&#10;&#10;Description automatically generated with medium confidence">
+            <a:extLst>
+              <a:ext uri="{FF2B5EF4-FFF2-40B4-BE49-F238E27FC236}">
+                <a16:creationId xmlns:a16="http://schemas.microsoft.com/office/drawing/2014/main" id="{B2607762-0F5F-10F4-617A-F87064B80B7A}"/>
+              </a:ext>
+            </a:extLst>
+          </p:cNvPr>
+          <p:cNvPicPr>
+            <a:picLocks noChangeAspect="1"/>
+          </p:cNvPicPr>
+          <p:nvPr/>
+        </p:nvPicPr>
+        <p:blipFill>
+          <a:blip r:embed="rId24"/>
+          <a:stretch>
+            <a:fillRect/>
+          </a:stretch>
+        </p:blipFill>
+        <p:spPr>
+          <a:xfrm>
+            <a:off x="5316350" y="2310867"/>
+            <a:ext cx="902704" cy="223510"/>
+          </a:xfrm>
+          <a:prstGeom prst="rect">
+            <a:avLst/>
+          </a:prstGeom>
+        </p:spPr>
+      </p:pic>
     </p:spTree>
     <p:extLst>
       <p:ext uri="{BB962C8B-B14F-4D97-AF65-F5344CB8AC3E}">

--- a/figures/overview/overview.pptx
+++ b/figures/overview/overview.pptx
@@ -197,7 +197,7 @@
           <a:p>
             <a:fld id="{F72DF778-FFF7-FE49-B5CB-1F3248E829EE}" type="datetimeFigureOut">
               <a:rPr lang="en-DE" smtClean="0"/>
-              <a:t>24.06.24</a:t>
+              <a:t>25.06.24</a:t>
             </a:fld>
             <a:endParaRPr lang="en-DE"/>
           </a:p>
@@ -685,7 +685,7 @@
           <a:p>
             <a:fld id="{859E5242-0199-2345-8FDD-CAC2E561CA3C}" type="datetimeFigureOut">
               <a:rPr lang="en-DE" smtClean="0"/>
-              <a:t>24.06.24</a:t>
+              <a:t>25.06.24</a:t>
             </a:fld>
             <a:endParaRPr lang="en-DE"/>
           </a:p>
@@ -855,7 +855,7 @@
           <a:p>
             <a:fld id="{859E5242-0199-2345-8FDD-CAC2E561CA3C}" type="datetimeFigureOut">
               <a:rPr lang="en-DE" smtClean="0"/>
-              <a:t>24.06.24</a:t>
+              <a:t>25.06.24</a:t>
             </a:fld>
             <a:endParaRPr lang="en-DE"/>
           </a:p>
@@ -1035,7 +1035,7 @@
           <a:p>
             <a:fld id="{859E5242-0199-2345-8FDD-CAC2E561CA3C}" type="datetimeFigureOut">
               <a:rPr lang="en-DE" smtClean="0"/>
-              <a:t>24.06.24</a:t>
+              <a:t>25.06.24</a:t>
             </a:fld>
             <a:endParaRPr lang="en-DE"/>
           </a:p>
@@ -1205,7 +1205,7 @@
           <a:p>
             <a:fld id="{859E5242-0199-2345-8FDD-CAC2E561CA3C}" type="datetimeFigureOut">
               <a:rPr lang="en-DE" smtClean="0"/>
-              <a:t>24.06.24</a:t>
+              <a:t>25.06.24</a:t>
             </a:fld>
             <a:endParaRPr lang="en-DE"/>
           </a:p>
@@ -1451,7 +1451,7 @@
           <a:p>
             <a:fld id="{859E5242-0199-2345-8FDD-CAC2E561CA3C}" type="datetimeFigureOut">
               <a:rPr lang="en-DE" smtClean="0"/>
-              <a:t>24.06.24</a:t>
+              <a:t>25.06.24</a:t>
             </a:fld>
             <a:endParaRPr lang="en-DE"/>
           </a:p>
@@ -1683,7 +1683,7 @@
           <a:p>
             <a:fld id="{859E5242-0199-2345-8FDD-CAC2E561CA3C}" type="datetimeFigureOut">
               <a:rPr lang="en-DE" smtClean="0"/>
-              <a:t>24.06.24</a:t>
+              <a:t>25.06.24</a:t>
             </a:fld>
             <a:endParaRPr lang="en-DE"/>
           </a:p>
@@ -2050,7 +2050,7 @@
           <a:p>
             <a:fld id="{859E5242-0199-2345-8FDD-CAC2E561CA3C}" type="datetimeFigureOut">
               <a:rPr lang="en-DE" smtClean="0"/>
-              <a:t>24.06.24</a:t>
+              <a:t>25.06.24</a:t>
             </a:fld>
             <a:endParaRPr lang="en-DE"/>
           </a:p>
@@ -2168,7 +2168,7 @@
           <a:p>
             <a:fld id="{859E5242-0199-2345-8FDD-CAC2E561CA3C}" type="datetimeFigureOut">
               <a:rPr lang="en-DE" smtClean="0"/>
-              <a:t>24.06.24</a:t>
+              <a:t>25.06.24</a:t>
             </a:fld>
             <a:endParaRPr lang="en-DE"/>
           </a:p>
@@ -2263,7 +2263,7 @@
           <a:p>
             <a:fld id="{859E5242-0199-2345-8FDD-CAC2E561CA3C}" type="datetimeFigureOut">
               <a:rPr lang="en-DE" smtClean="0"/>
-              <a:t>24.06.24</a:t>
+              <a:t>25.06.24</a:t>
             </a:fld>
             <a:endParaRPr lang="en-DE"/>
           </a:p>
@@ -2540,7 +2540,7 @@
           <a:p>
             <a:fld id="{859E5242-0199-2345-8FDD-CAC2E561CA3C}" type="datetimeFigureOut">
               <a:rPr lang="en-DE" smtClean="0"/>
-              <a:t>24.06.24</a:t>
+              <a:t>25.06.24</a:t>
             </a:fld>
             <a:endParaRPr lang="en-DE"/>
           </a:p>
@@ -2797,7 +2797,7 @@
           <a:p>
             <a:fld id="{859E5242-0199-2345-8FDD-CAC2E561CA3C}" type="datetimeFigureOut">
               <a:rPr lang="en-DE" smtClean="0"/>
-              <a:t>24.06.24</a:t>
+              <a:t>25.06.24</a:t>
             </a:fld>
             <a:endParaRPr lang="en-DE"/>
           </a:p>
@@ -3010,7 +3010,7 @@
           <a:p>
             <a:fld id="{859E5242-0199-2345-8FDD-CAC2E561CA3C}" type="datetimeFigureOut">
               <a:rPr lang="en-DE" smtClean="0"/>
-              <a:t>24.06.24</a:t>
+              <a:t>25.06.24</a:t>
             </a:fld>
             <a:endParaRPr lang="en-DE"/>
           </a:p>
@@ -4591,7 +4591,7 @@
           </p:blipFill>
           <p:spPr bwMode="auto">
             <a:xfrm>
-              <a:off x="5517408" y="2811343"/>
+              <a:off x="5562572" y="2818650"/>
               <a:ext cx="495855" cy="495855"/>
             </a:xfrm>
             <a:prstGeom prst="rect">
@@ -4623,7 +4623,7 @@
           </p:nvSpPr>
           <p:spPr>
             <a:xfrm>
-              <a:off x="5233059" y="1299043"/>
+              <a:off x="5294520" y="1307598"/>
               <a:ext cx="1043796" cy="584775"/>
             </a:xfrm>
             <a:prstGeom prst="rect">
@@ -4670,7 +4670,7 @@
           </p:blipFill>
           <p:spPr>
             <a:xfrm>
-              <a:off x="5124514" y="2216680"/>
+              <a:off x="5186784" y="2176552"/>
               <a:ext cx="1259267" cy="294466"/>
             </a:xfrm>
             <a:prstGeom prst="rect">
@@ -6540,8 +6540,8 @@
         </p:blipFill>
         <p:spPr>
           <a:xfrm>
-            <a:off x="5142130" y="1912136"/>
-            <a:ext cx="1253354" cy="210524"/>
+            <a:off x="5131367" y="1822973"/>
+            <a:ext cx="1447633" cy="243157"/>
           </a:xfrm>
           <a:prstGeom prst="rect">
             <a:avLst/>
@@ -6550,10 +6550,10 @@
       </p:pic>
       <p:pic>
         <p:nvPicPr>
-          <p:cNvPr id="48" name="Picture 47" descr="A black background with a black square&#10;&#10;Description automatically generated with medium confidence">
+          <p:cNvPr id="20" name="Picture 19" descr="A black background with a black square&#10;&#10;Description automatically generated with medium confidence">
             <a:extLst>
               <a:ext uri="{FF2B5EF4-FFF2-40B4-BE49-F238E27FC236}">
-                <a16:creationId xmlns:a16="http://schemas.microsoft.com/office/drawing/2014/main" id="{B2607762-0F5F-10F4-617A-F87064B80B7A}"/>
+                <a16:creationId xmlns:a16="http://schemas.microsoft.com/office/drawing/2014/main" id="{92E1D18F-C369-3CBD-8C38-9B003257A12F}"/>
               </a:ext>
             </a:extLst>
           </p:cNvPr>
@@ -6570,8 +6570,8 @@
         </p:blipFill>
         <p:spPr>
           <a:xfrm>
-            <a:off x="5316350" y="2310867"/>
-            <a:ext cx="902704" cy="223510"/>
+            <a:off x="5300012" y="2311531"/>
+            <a:ext cx="1080870" cy="267624"/>
           </a:xfrm>
           <a:prstGeom prst="rect">
             <a:avLst/>

--- a/figures/overview/overview.pptx
+++ b/figures/overview/overview.pptx
@@ -197,7 +197,7 @@
           <a:p>
             <a:fld id="{F72DF778-FFF7-FE49-B5CB-1F3248E829EE}" type="datetimeFigureOut">
               <a:rPr lang="en-DE" smtClean="0"/>
-              <a:t>25.06.24</a:t>
+              <a:t>29.09.24</a:t>
             </a:fld>
             <a:endParaRPr lang="en-DE"/>
           </a:p>
@@ -685,7 +685,7 @@
           <a:p>
             <a:fld id="{859E5242-0199-2345-8FDD-CAC2E561CA3C}" type="datetimeFigureOut">
               <a:rPr lang="en-DE" smtClean="0"/>
-              <a:t>25.06.24</a:t>
+              <a:t>29.09.24</a:t>
             </a:fld>
             <a:endParaRPr lang="en-DE"/>
           </a:p>
@@ -855,7 +855,7 @@
           <a:p>
             <a:fld id="{859E5242-0199-2345-8FDD-CAC2E561CA3C}" type="datetimeFigureOut">
               <a:rPr lang="en-DE" smtClean="0"/>
-              <a:t>25.06.24</a:t>
+              <a:t>29.09.24</a:t>
             </a:fld>
             <a:endParaRPr lang="en-DE"/>
           </a:p>
@@ -1035,7 +1035,7 @@
           <a:p>
             <a:fld id="{859E5242-0199-2345-8FDD-CAC2E561CA3C}" type="datetimeFigureOut">
               <a:rPr lang="en-DE" smtClean="0"/>
-              <a:t>25.06.24</a:t>
+              <a:t>29.09.24</a:t>
             </a:fld>
             <a:endParaRPr lang="en-DE"/>
           </a:p>
@@ -1205,7 +1205,7 @@
           <a:p>
             <a:fld id="{859E5242-0199-2345-8FDD-CAC2E561CA3C}" type="datetimeFigureOut">
               <a:rPr lang="en-DE" smtClean="0"/>
-              <a:t>25.06.24</a:t>
+              <a:t>29.09.24</a:t>
             </a:fld>
             <a:endParaRPr lang="en-DE"/>
           </a:p>
@@ -1451,7 +1451,7 @@
           <a:p>
             <a:fld id="{859E5242-0199-2345-8FDD-CAC2E561CA3C}" type="datetimeFigureOut">
               <a:rPr lang="en-DE" smtClean="0"/>
-              <a:t>25.06.24</a:t>
+              <a:t>29.09.24</a:t>
             </a:fld>
             <a:endParaRPr lang="en-DE"/>
           </a:p>
@@ -1683,7 +1683,7 @@
           <a:p>
             <a:fld id="{859E5242-0199-2345-8FDD-CAC2E561CA3C}" type="datetimeFigureOut">
               <a:rPr lang="en-DE" smtClean="0"/>
-              <a:t>25.06.24</a:t>
+              <a:t>29.09.24</a:t>
             </a:fld>
             <a:endParaRPr lang="en-DE"/>
           </a:p>
@@ -2050,7 +2050,7 @@
           <a:p>
             <a:fld id="{859E5242-0199-2345-8FDD-CAC2E561CA3C}" type="datetimeFigureOut">
               <a:rPr lang="en-DE" smtClean="0"/>
-              <a:t>25.06.24</a:t>
+              <a:t>29.09.24</a:t>
             </a:fld>
             <a:endParaRPr lang="en-DE"/>
           </a:p>
@@ -2168,7 +2168,7 @@
           <a:p>
             <a:fld id="{859E5242-0199-2345-8FDD-CAC2E561CA3C}" type="datetimeFigureOut">
               <a:rPr lang="en-DE" smtClean="0"/>
-              <a:t>25.06.24</a:t>
+              <a:t>29.09.24</a:t>
             </a:fld>
             <a:endParaRPr lang="en-DE"/>
           </a:p>
@@ -2263,7 +2263,7 @@
           <a:p>
             <a:fld id="{859E5242-0199-2345-8FDD-CAC2E561CA3C}" type="datetimeFigureOut">
               <a:rPr lang="en-DE" smtClean="0"/>
-              <a:t>25.06.24</a:t>
+              <a:t>29.09.24</a:t>
             </a:fld>
             <a:endParaRPr lang="en-DE"/>
           </a:p>
@@ -2540,7 +2540,7 @@
           <a:p>
             <a:fld id="{859E5242-0199-2345-8FDD-CAC2E561CA3C}" type="datetimeFigureOut">
               <a:rPr lang="en-DE" smtClean="0"/>
-              <a:t>25.06.24</a:t>
+              <a:t>29.09.24</a:t>
             </a:fld>
             <a:endParaRPr lang="en-DE"/>
           </a:p>
@@ -2797,7 +2797,7 @@
           <a:p>
             <a:fld id="{859E5242-0199-2345-8FDD-CAC2E561CA3C}" type="datetimeFigureOut">
               <a:rPr lang="en-DE" smtClean="0"/>
-              <a:t>25.06.24</a:t>
+              <a:t>29.09.24</a:t>
             </a:fld>
             <a:endParaRPr lang="en-DE"/>
           </a:p>
@@ -3010,7 +3010,7 @@
           <a:p>
             <a:fld id="{859E5242-0199-2345-8FDD-CAC2E561CA3C}" type="datetimeFigureOut">
               <a:rPr lang="en-DE" smtClean="0"/>
-              <a:t>25.06.24</a:t>
+              <a:t>29.09.24</a:t>
             </a:fld>
             <a:endParaRPr lang="en-DE"/>
           </a:p>
@@ -5156,7 +5156,7 @@
                   <a:ea typeface="JetBrainsMono NF" panose="02000009000000000000" pitchFamily="49" charset="0"/>
                   <a:cs typeface="JetBrainsMono NF" panose="02000009000000000000" pitchFamily="49" charset="0"/>
                 </a:rPr>
-                <a:t>739 items</a:t>
+                <a:t>~800 items</a:t>
               </a:r>
               <a:endParaRPr lang="en-DE" sz="1400" i="1" dirty="0">
                 <a:latin typeface="Crimson Pro ExtraLight" pitchFamily="2" charset="77"/>
